--- a/zwischenvortrag.pptx
+++ b/zwischenvortrag.pptx
@@ -4639,7 +4639,7 @@
             </a:pPr>
             <a:r>
               <a:rPr lang="de-DE" sz="2400" dirty="0"/>
-              <a:t>Aktueller Arbeitsstand</a:t>
+              <a:t>Aktueller Arbeitsstand und Erkenntnisse</a:t>
             </a:r>
           </a:p>
           <a:p>
@@ -4729,13 +4729,21 @@
           <a:p>
             <a:r>
               <a:rPr lang="de-DE" dirty="0"/>
-              <a:t>Aufbereitung und Bereinigung des Modells des A-Gebäudes für 3D-Druck</a:t>
-            </a:r>
-          </a:p>
-          <a:p>
-            <a:r>
-              <a:rPr lang="de-DE" dirty="0"/>
-              <a:t>Software: Allplan, </a:t>
+              <a:t>Aufbereitung und Bereinigung des Modells des Laborgebäude LGS für 3D-Druck</a:t>
+            </a:r>
+          </a:p>
+          <a:p>
+            <a:r>
+              <a:rPr lang="de-DE" dirty="0"/>
+              <a:t>Software: </a:t>
+            </a:r>
+            <a:r>
+              <a:rPr lang="de-DE" dirty="0" err="1"/>
+              <a:t>Revit</a:t>
+            </a:r>
+            <a:r>
+              <a:rPr lang="de-DE" dirty="0"/>
+              <a:t>, AutoCAD, </a:t>
             </a:r>
             <a:r>
               <a:rPr lang="de-DE" dirty="0" err="1"/>
@@ -4749,11 +4757,8 @@
           <a:p>
             <a:r>
               <a:rPr lang="de-DE" dirty="0"/>
-              <a:t>Drucker: FORMIGA P110 von EOS</a:t>
-            </a:r>
-          </a:p>
-          <a:p>
-            <a:endParaRPr lang="de-DE" dirty="0"/>
+              <a:t>Lasersinterdrucker: FORMIGA P110 von EOS</a:t>
+            </a:r>
           </a:p>
           <a:p>
             <a:pPr marL="0" indent="0">
@@ -4818,74 +4823,109 @@
           </a:p>
         </p:txBody>
       </p:sp>
-      <p:pic>
-        <p:nvPicPr>
-          <p:cNvPr id="4" name="Grafik 3">
+      <p:grpSp>
+        <p:nvGrpSpPr>
+          <p:cNvPr id="8" name="Gruppieren 7">
             <a:extLst>
               <a:ext uri="{FF2B5EF4-FFF2-40B4-BE49-F238E27FC236}">
-                <a16:creationId xmlns:a16="http://schemas.microsoft.com/office/drawing/2014/main" id="{119CA25F-9DA5-47D6-9019-4371CA1B21ED}"/>
+                <a16:creationId xmlns:a16="http://schemas.microsoft.com/office/drawing/2014/main" id="{7DD66F7A-043F-7BE0-C262-8BF1045C2E16}"/>
               </a:ext>
             </a:extLst>
           </p:cNvPr>
-          <p:cNvPicPr>
-            <a:picLocks noChangeAspect="1"/>
-          </p:cNvPicPr>
+          <p:cNvGrpSpPr/>
           <p:nvPr/>
-        </p:nvPicPr>
-        <p:blipFill rotWithShape="1">
-          <a:blip r:embed="rId2"/>
-          <a:srcRect t="4874"/>
-          <a:stretch/>
-        </p:blipFill>
-        <p:spPr>
+        </p:nvGrpSpPr>
+        <p:grpSpPr>
           <a:xfrm>
-            <a:off x="6807431" y="2722188"/>
-            <a:ext cx="4857135" cy="3029682"/>
+            <a:off x="6807431" y="2999850"/>
+            <a:ext cx="5110894" cy="3059797"/>
+            <a:chOff x="6807431" y="2999850"/>
+            <a:chExt cx="5110894" cy="3059797"/>
           </a:xfrm>
-          <a:prstGeom prst="rect">
-            <a:avLst/>
-          </a:prstGeom>
-        </p:spPr>
-      </p:pic>
-      <p:sp>
-        <p:nvSpPr>
-          <p:cNvPr id="5" name="Textfeld 4">
-            <a:extLst>
-              <a:ext uri="{FF2B5EF4-FFF2-40B4-BE49-F238E27FC236}">
-                <a16:creationId xmlns:a16="http://schemas.microsoft.com/office/drawing/2014/main" id="{6DB545E5-4C14-432B-826A-8B930B085BC0}"/>
-              </a:ext>
-            </a:extLst>
-          </p:cNvPr>
-          <p:cNvSpPr txBox="1"/>
-          <p:nvPr/>
-        </p:nvSpPr>
-        <p:spPr>
-          <a:xfrm>
-            <a:off x="6807431" y="5751870"/>
-            <a:ext cx="4538995" cy="307777"/>
-          </a:xfrm>
-          <a:prstGeom prst="rect">
-            <a:avLst/>
-          </a:prstGeom>
-          <a:noFill/>
-        </p:spPr>
-        <p:txBody>
-          <a:bodyPr wrap="square" rtlCol="0">
-            <a:spAutoFit/>
-          </a:bodyPr>
-          <a:lstStyle/>
-          <a:p>
-            <a:r>
-              <a:rPr lang="de-DE" sz="1400" dirty="0">
+        </p:grpSpPr>
+        <p:sp>
+          <p:nvSpPr>
+            <p:cNvPr id="5" name="Textfeld 4">
+              <a:extLst>
+                <a:ext uri="{FF2B5EF4-FFF2-40B4-BE49-F238E27FC236}">
+                  <a16:creationId xmlns:a16="http://schemas.microsoft.com/office/drawing/2014/main" id="{6DB545E5-4C14-432B-826A-8B930B085BC0}"/>
+                </a:ext>
+              </a:extLst>
+            </p:cNvPr>
+            <p:cNvSpPr txBox="1"/>
+            <p:nvPr/>
+          </p:nvSpPr>
+          <p:spPr>
+            <a:xfrm>
+              <a:off x="6807431" y="5751870"/>
+              <a:ext cx="4538995" cy="307777"/>
+            </a:xfrm>
+            <a:prstGeom prst="rect">
+              <a:avLst/>
+            </a:prstGeom>
+            <a:noFill/>
+          </p:spPr>
+          <p:txBody>
+            <a:bodyPr wrap="square" rtlCol="0">
+              <a:spAutoFit/>
+            </a:bodyPr>
+            <a:lstStyle/>
+            <a:p>
+              <a:r>
+                <a:rPr lang="de-DE" sz="1400" dirty="0">
+                  <a:latin typeface="Open Sans" pitchFamily="2" charset="0"/>
+                  <a:ea typeface="Open Sans" pitchFamily="2" charset="0"/>
+                  <a:cs typeface="Open Sans" pitchFamily="2" charset="0"/>
+                </a:rPr>
+                <a:t>Abb. 1: ursprüngliches Modell in </a:t>
+              </a:r>
+              <a:r>
+                <a:rPr lang="de-DE" sz="1400" dirty="0" err="1">
+                  <a:latin typeface="Open Sans" pitchFamily="2" charset="0"/>
+                  <a:ea typeface="Open Sans" pitchFamily="2" charset="0"/>
+                  <a:cs typeface="Open Sans" pitchFamily="2" charset="0"/>
+                </a:rPr>
+                <a:t>Revit</a:t>
+              </a:r>
+              <a:endParaRPr lang="de-DE" sz="1400" dirty="0">
                 <a:latin typeface="Open Sans" pitchFamily="2" charset="0"/>
                 <a:ea typeface="Open Sans" pitchFamily="2" charset="0"/>
                 <a:cs typeface="Open Sans" pitchFamily="2" charset="0"/>
-              </a:rPr>
-              <a:t>Abb. 1: Gebäudemodell in Allplan</a:t>
-            </a:r>
-          </a:p>
-        </p:txBody>
-      </p:sp>
+              </a:endParaRPr>
+            </a:p>
+          </p:txBody>
+        </p:sp>
+        <p:pic>
+          <p:nvPicPr>
+            <p:cNvPr id="7" name="Grafik 6">
+              <a:extLst>
+                <a:ext uri="{FF2B5EF4-FFF2-40B4-BE49-F238E27FC236}">
+                  <a16:creationId xmlns:a16="http://schemas.microsoft.com/office/drawing/2014/main" id="{065E121E-680C-4212-BC86-A4F05D0785AF}"/>
+                </a:ext>
+              </a:extLst>
+            </p:cNvPr>
+            <p:cNvPicPr>
+              <a:picLocks noChangeAspect="1"/>
+            </p:cNvPicPr>
+            <p:nvPr/>
+          </p:nvPicPr>
+          <p:blipFill>
+            <a:blip r:embed="rId2"/>
+            <a:stretch>
+              <a:fillRect/>
+            </a:stretch>
+          </p:blipFill>
+          <p:spPr>
+            <a:xfrm>
+              <a:off x="6807431" y="2999850"/>
+              <a:ext cx="5110894" cy="2752020"/>
+            </a:xfrm>
+            <a:prstGeom prst="rect">
+              <a:avLst/>
+            </a:prstGeom>
+          </p:spPr>
+        </p:pic>
+      </p:grpSp>
     </p:spTree>
     <p:extLst>
       <p:ext uri="{BB962C8B-B14F-4D97-AF65-F5344CB8AC3E}">
@@ -4953,12 +4993,6 @@
           </a:p>
           <a:p>
             <a:endParaRPr lang="de-DE" dirty="0"/>
-          </a:p>
-          <a:p>
-            <a:r>
-              <a:rPr lang="de-DE" dirty="0"/>
-              <a:t>Wie muss während der Bearbeitung interdisziplinär kommuniziert werden?</a:t>
-            </a:r>
           </a:p>
           <a:p>
             <a:pPr marL="0" indent="0">
@@ -5049,7 +5083,7 @@
           <a:p>
             <a:r>
               <a:rPr lang="de-DE" dirty="0"/>
-              <a:t>3. Aktueller Arbeitsstand</a:t>
+              <a:t>3. Aktueller Arbeitsstand und Erkenntnisse </a:t>
             </a:r>
           </a:p>
         </p:txBody>
@@ -5077,68 +5111,214 @@
           <a:p>
             <a:r>
               <a:rPr lang="de-DE" dirty="0"/>
-              <a:t>Daten erhalten für Software Allplan </a:t>
-            </a:r>
-          </a:p>
-          <a:p>
-            <a:r>
-              <a:rPr lang="de-DE" dirty="0"/>
-              <a:t>Export in </a:t>
+              <a:t>Daten erhalten für Software </a:t>
             </a:r>
             <a:r>
               <a:rPr lang="de-DE" dirty="0" err="1"/>
               <a:t>Revit</a:t>
             </a:r>
-            <a:r>
-              <a:rPr lang="de-DE" dirty="0"/>
-              <a:t> schwierig </a:t>
+            <a:endParaRPr lang="de-DE" dirty="0"/>
+          </a:p>
+          <a:p>
+            <a:pPr lvl="1"/>
+            <a:r>
+              <a:rPr lang="de-DE" dirty="0"/>
+              <a:t>Bearbeiten von </a:t>
             </a:r>
             <a:r>
               <a:rPr lang="de-DE" dirty="0">
                 <a:sym typeface="Wingdings" panose="05000000000000000000" pitchFamily="2" charset="2"/>
               </a:rPr>
-              <a:t> Datenverlust</a:t>
+              <a:t>komplexen Bauteilen (</a:t>
+            </a:r>
+            <a:r>
+              <a:rPr lang="de-DE" dirty="0"/>
+              <a:t>Geländern, </a:t>
+            </a:r>
+            <a:r>
+              <a:rPr lang="de-DE" dirty="0">
+                <a:sym typeface="Wingdings" panose="05000000000000000000" pitchFamily="2" charset="2"/>
+              </a:rPr>
+              <a:t>Stützen, Fenster, Feuerleiter</a:t>
+            </a:r>
+            <a:r>
+              <a:rPr lang="de-DE" dirty="0"/>
+              <a:t>, …)</a:t>
+            </a:r>
+          </a:p>
+          <a:p>
+            <a:pPr lvl="1"/>
+            <a:r>
+              <a:rPr lang="de-DE" dirty="0"/>
+              <a:t>Entfernen nicht zu druckender Bereiche</a:t>
+            </a:r>
+          </a:p>
+          <a:p>
+            <a:r>
+              <a:rPr lang="de-DE" dirty="0"/>
+              <a:t>Export in Magics problematisch </a:t>
+            </a:r>
+            <a:endParaRPr lang="de-DE" dirty="0">
+              <a:sym typeface="Wingdings" panose="05000000000000000000" pitchFamily="2" charset="2"/>
+            </a:endParaRPr>
+          </a:p>
+          <a:p>
+            <a:pPr lvl="1"/>
+            <a:r>
+              <a:rPr lang="de-DE" dirty="0">
+                <a:sym typeface="Wingdings" panose="05000000000000000000" pitchFamily="2" charset="2"/>
+              </a:rPr>
+              <a:t>Datenverlust mit .</a:t>
+            </a:r>
+            <a:r>
+              <a:rPr lang="de-DE" dirty="0" err="1">
+                <a:sym typeface="Wingdings" panose="05000000000000000000" pitchFamily="2" charset="2"/>
+              </a:rPr>
+              <a:t>dwg</a:t>
+            </a:r>
+            <a:r>
+              <a:rPr lang="de-DE" dirty="0">
+                <a:sym typeface="Wingdings" panose="05000000000000000000" pitchFamily="2" charset="2"/>
+              </a:rPr>
+              <a:t> und .</a:t>
+            </a:r>
+            <a:r>
+              <a:rPr lang="de-DE" dirty="0" err="1">
+                <a:sym typeface="Wingdings" panose="05000000000000000000" pitchFamily="2" charset="2"/>
+              </a:rPr>
+              <a:t>fbx</a:t>
+            </a:r>
+            <a:r>
+              <a:rPr lang="de-DE" dirty="0">
+                <a:sym typeface="Wingdings" panose="05000000000000000000" pitchFamily="2" charset="2"/>
+              </a:rPr>
+              <a:t> </a:t>
+            </a:r>
+          </a:p>
+          <a:p>
+            <a:pPr lvl="1"/>
+            <a:r>
+              <a:rPr lang="de-DE" dirty="0">
+                <a:sym typeface="Wingdings" panose="05000000000000000000" pitchFamily="2" charset="2"/>
+              </a:rPr>
+              <a:t>Bearbeitung sehr Zeitaufwendig mit .</a:t>
+            </a:r>
+            <a:r>
+              <a:rPr lang="de-DE" dirty="0" err="1">
+                <a:sym typeface="Wingdings" panose="05000000000000000000" pitchFamily="2" charset="2"/>
+              </a:rPr>
+              <a:t>stl</a:t>
+            </a:r>
+            <a:r>
+              <a:rPr lang="de-DE" dirty="0">
+                <a:sym typeface="Wingdings" panose="05000000000000000000" pitchFamily="2" charset="2"/>
+              </a:rPr>
+              <a:t> Export von </a:t>
+            </a:r>
+            <a:r>
+              <a:rPr lang="de-DE" dirty="0" err="1">
+                <a:sym typeface="Wingdings" panose="05000000000000000000" pitchFamily="2" charset="2"/>
+              </a:rPr>
+              <a:t>Revit</a:t>
+            </a:r>
+            <a:endParaRPr lang="de-DE" dirty="0">
+              <a:sym typeface="Wingdings" panose="05000000000000000000" pitchFamily="2" charset="2"/>
+            </a:endParaRPr>
+          </a:p>
+          <a:p>
+            <a:r>
+              <a:rPr lang="de-DE" dirty="0">
+                <a:sym typeface="Wingdings" panose="05000000000000000000" pitchFamily="2" charset="2"/>
+              </a:rPr>
+              <a:t>Export nach AutoCAD </a:t>
+            </a:r>
+          </a:p>
+          <a:p>
+            <a:pPr lvl="1"/>
+            <a:r>
+              <a:rPr lang="de-DE" dirty="0">
+                <a:sym typeface="Wingdings" panose="05000000000000000000" pitchFamily="2" charset="2"/>
+              </a:rPr>
+              <a:t>Fassadenfenster einfach löschbar</a:t>
+            </a:r>
+          </a:p>
+          <a:p>
+            <a:pPr lvl="1"/>
+            <a:r>
+              <a:rPr lang="de-DE" dirty="0">
+                <a:sym typeface="Wingdings" panose="05000000000000000000" pitchFamily="2" charset="2"/>
+              </a:rPr>
+              <a:t>Komplexe Bauteile leicht nachzubearbeiten </a:t>
+            </a:r>
+          </a:p>
+          <a:p>
+            <a:r>
+              <a:rPr lang="de-DE" dirty="0" err="1">
+                <a:sym typeface="Wingdings" panose="05000000000000000000" pitchFamily="2" charset="2"/>
+              </a:rPr>
+              <a:t>Revit</a:t>
+            </a:r>
+            <a:r>
+              <a:rPr lang="de-DE" dirty="0">
+                <a:sym typeface="Wingdings" panose="05000000000000000000" pitchFamily="2" charset="2"/>
+              </a:rPr>
+              <a:t> Dateien mit </a:t>
+            </a:r>
+            <a:r>
+              <a:rPr lang="de-DE" dirty="0" err="1">
+                <a:sym typeface="Wingdings" panose="05000000000000000000" pitchFamily="2" charset="2"/>
+              </a:rPr>
+              <a:t>Git</a:t>
+            </a:r>
+            <a:r>
+              <a:rPr lang="de-DE" dirty="0">
+                <a:sym typeface="Wingdings" panose="05000000000000000000" pitchFamily="2" charset="2"/>
+              </a:rPr>
+              <a:t> </a:t>
+            </a:r>
+            <a:r>
+              <a:rPr lang="de-DE" dirty="0" err="1">
+                <a:sym typeface="Wingdings" panose="05000000000000000000" pitchFamily="2" charset="2"/>
+              </a:rPr>
+              <a:t>trackbar</a:t>
+            </a:r>
+            <a:r>
+              <a:rPr lang="de-DE" dirty="0">
+                <a:sym typeface="Wingdings" panose="05000000000000000000" pitchFamily="2" charset="2"/>
+              </a:rPr>
+              <a:t>, </a:t>
+            </a:r>
+            <a:r>
+              <a:rPr lang="de-DE" dirty="0" err="1">
+                <a:sym typeface="Wingdings" panose="05000000000000000000" pitchFamily="2" charset="2"/>
+              </a:rPr>
+              <a:t>mergen</a:t>
+            </a:r>
+            <a:r>
+              <a:rPr lang="de-DE" dirty="0">
+                <a:sym typeface="Wingdings" panose="05000000000000000000" pitchFamily="2" charset="2"/>
+              </a:rPr>
+              <a:t> problematisch </a:t>
+            </a:r>
+          </a:p>
+          <a:p>
+            <a:pPr lvl="1"/>
+            <a:r>
+              <a:rPr lang="de-DE" dirty="0">
+                <a:sym typeface="Wingdings" panose="05000000000000000000" pitchFamily="2" charset="2"/>
+              </a:rPr>
+              <a:t>Parallele Bearbeitung möglich</a:t>
+            </a:r>
+          </a:p>
+          <a:p>
+            <a:pPr lvl="1"/>
+            <a:r>
+              <a:rPr lang="de-DE" dirty="0">
+                <a:sym typeface="Wingdings" panose="05000000000000000000" pitchFamily="2" charset="2"/>
+              </a:rPr>
+              <a:t>Zugriff auf aktuellen Stand für alle gewährleistet</a:t>
             </a:r>
             <a:endParaRPr lang="de-DE" dirty="0"/>
-          </a:p>
-          <a:p>
-            <a:r>
-              <a:rPr lang="de-DE" dirty="0"/>
-              <a:t>Kennenlernen von Allplan</a:t>
-            </a:r>
-          </a:p>
-          <a:p>
-            <a:pPr marL="0" indent="0">
-              <a:buNone/>
-            </a:pPr>
-            <a:endParaRPr lang="de-DE" dirty="0"/>
-          </a:p>
-          <a:p>
-            <a:pPr marL="0" indent="0">
-              <a:buNone/>
-            </a:pPr>
-            <a:r>
-              <a:rPr lang="de-DE" dirty="0"/>
-              <a:t>Vorbereitung für Druck:</a:t>
-            </a:r>
-          </a:p>
-          <a:p>
-            <a:r>
-              <a:rPr lang="de-DE" dirty="0"/>
-              <a:t>Details wie Geländer,… vergrößern</a:t>
-            </a:r>
-          </a:p>
-          <a:p>
-            <a:r>
-              <a:rPr lang="de-DE" dirty="0"/>
-              <a:t>Fensterscheiben entfernen</a:t>
-            </a:r>
-          </a:p>
-          <a:p>
-            <a:r>
-              <a:rPr lang="de-DE" dirty="0"/>
-              <a:t>unwichtige Bauteile löschen</a:t>
-            </a:r>
           </a:p>
         </p:txBody>
       </p:sp>
@@ -5200,35 +5380,6 @@
           </a:p>
         </p:txBody>
       </p:sp>
-      <p:pic>
-        <p:nvPicPr>
-          <p:cNvPr id="5" name="Inhaltsplatzhalter 4">
-            <a:extLst>
-              <a:ext uri="{FF2B5EF4-FFF2-40B4-BE49-F238E27FC236}">
-                <a16:creationId xmlns:a16="http://schemas.microsoft.com/office/drawing/2014/main" id="{28A955A9-E55B-41F4-B02A-4E06868D623B}"/>
-              </a:ext>
-            </a:extLst>
-          </p:cNvPr>
-          <p:cNvPicPr>
-            <a:picLocks noGrp="1" noChangeAspect="1"/>
-          </p:cNvPicPr>
-          <p:nvPr>
-            <p:ph idx="1"/>
-          </p:nvPr>
-        </p:nvPicPr>
-        <p:blipFill>
-          <a:blip r:embed="rId2"/>
-          <a:stretch>
-            <a:fillRect/>
-          </a:stretch>
-        </p:blipFill>
-        <p:spPr>
-          <a:xfrm>
-            <a:off x="1814051" y="1125222"/>
-            <a:ext cx="8563897" cy="4607555"/>
-          </a:xfrm>
-        </p:spPr>
-      </p:pic>
       <p:sp>
         <p:nvSpPr>
           <p:cNvPr id="7" name="Textfeld 6">
@@ -5260,6 +5411,234 @@
             <a:r>
               <a:rPr lang="de-DE" dirty="0"/>
               <a:t>Abb. 2 Benutzeroberfläche in Allplan</a:t>
+            </a:r>
+          </a:p>
+        </p:txBody>
+      </p:sp>
+      <p:pic>
+        <p:nvPicPr>
+          <p:cNvPr id="10" name="Inhaltsplatzhalter 9">
+            <a:extLst>
+              <a:ext uri="{FF2B5EF4-FFF2-40B4-BE49-F238E27FC236}">
+                <a16:creationId xmlns:a16="http://schemas.microsoft.com/office/drawing/2014/main" id="{2F82BF73-288C-1906-C49F-FFCF358F55F5}"/>
+              </a:ext>
+            </a:extLst>
+          </p:cNvPr>
+          <p:cNvPicPr>
+            <a:picLocks noGrp="1" noChangeAspect="1"/>
+          </p:cNvPicPr>
+          <p:nvPr>
+            <p:ph idx="1"/>
+          </p:nvPr>
+        </p:nvPicPr>
+        <p:blipFill>
+          <a:blip r:embed="rId2"/>
+          <a:stretch>
+            <a:fillRect/>
+          </a:stretch>
+        </p:blipFill>
+        <p:spPr>
+          <a:xfrm>
+            <a:off x="2314665" y="1159389"/>
+            <a:ext cx="1933004" cy="3470275"/>
+          </a:xfrm>
+        </p:spPr>
+      </p:pic>
+      <p:pic>
+        <p:nvPicPr>
+          <p:cNvPr id="8" name="Grafik 7">
+            <a:extLst>
+              <a:ext uri="{FF2B5EF4-FFF2-40B4-BE49-F238E27FC236}">
+                <a16:creationId xmlns:a16="http://schemas.microsoft.com/office/drawing/2014/main" id="{FD19025E-6EAA-4275-3380-069017AC2BF2}"/>
+              </a:ext>
+            </a:extLst>
+          </p:cNvPr>
+          <p:cNvPicPr>
+            <a:picLocks noChangeAspect="1"/>
+          </p:cNvPicPr>
+          <p:nvPr/>
+        </p:nvPicPr>
+        <p:blipFill>
+          <a:blip r:embed="rId3"/>
+          <a:stretch>
+            <a:fillRect/>
+          </a:stretch>
+        </p:blipFill>
+        <p:spPr>
+          <a:xfrm>
+            <a:off x="527434" y="1159389"/>
+            <a:ext cx="1787231" cy="3469945"/>
+          </a:xfrm>
+          <a:prstGeom prst="rect">
+            <a:avLst/>
+          </a:prstGeom>
+        </p:spPr>
+      </p:pic>
+      <p:sp>
+        <p:nvSpPr>
+          <p:cNvPr id="11" name="Textfeld 10">
+            <a:extLst>
+              <a:ext uri="{FF2B5EF4-FFF2-40B4-BE49-F238E27FC236}">
+                <a16:creationId xmlns:a16="http://schemas.microsoft.com/office/drawing/2014/main" id="{1D28E38E-8ECF-1EC8-E277-796F781DA73C}"/>
+              </a:ext>
+            </a:extLst>
+          </p:cNvPr>
+          <p:cNvSpPr txBox="1"/>
+          <p:nvPr/>
+        </p:nvSpPr>
+        <p:spPr>
+          <a:xfrm>
+            <a:off x="527434" y="4667994"/>
+            <a:ext cx="4538995" cy="523220"/>
+          </a:xfrm>
+          <a:prstGeom prst="rect">
+            <a:avLst/>
+          </a:prstGeom>
+          <a:noFill/>
+        </p:spPr>
+        <p:txBody>
+          <a:bodyPr wrap="square" rtlCol="0">
+            <a:spAutoFit/>
+          </a:bodyPr>
+          <a:lstStyle/>
+          <a:p>
+            <a:r>
+              <a:rPr lang="de-DE" sz="1400" dirty="0">
+                <a:latin typeface="Open Sans" pitchFamily="2" charset="0"/>
+                <a:ea typeface="Open Sans" pitchFamily="2" charset="0"/>
+                <a:cs typeface="Open Sans" pitchFamily="2" charset="0"/>
+              </a:rPr>
+              <a:t>Abb. 2: Änderung Feuerleiter (links original, </a:t>
+            </a:r>
+            <a:br>
+              <a:rPr lang="de-DE" sz="1400" dirty="0">
+                <a:latin typeface="Open Sans" pitchFamily="2" charset="0"/>
+                <a:ea typeface="Open Sans" pitchFamily="2" charset="0"/>
+                <a:cs typeface="Open Sans" pitchFamily="2" charset="0"/>
+              </a:rPr>
+            </a:br>
+            <a:r>
+              <a:rPr lang="de-DE" sz="1400" dirty="0">
+                <a:latin typeface="Open Sans" pitchFamily="2" charset="0"/>
+                <a:ea typeface="Open Sans" pitchFamily="2" charset="0"/>
+                <a:cs typeface="Open Sans" pitchFamily="2" charset="0"/>
+              </a:rPr>
+              <a:t>rechts bearbeitet)</a:t>
+            </a:r>
+          </a:p>
+        </p:txBody>
+      </p:sp>
+      <p:pic>
+        <p:nvPicPr>
+          <p:cNvPr id="13" name="Grafik 12">
+            <a:extLst>
+              <a:ext uri="{FF2B5EF4-FFF2-40B4-BE49-F238E27FC236}">
+                <a16:creationId xmlns:a16="http://schemas.microsoft.com/office/drawing/2014/main" id="{CC347108-6754-F1A8-2CB6-D37BD94D22E8}"/>
+              </a:ext>
+            </a:extLst>
+          </p:cNvPr>
+          <p:cNvPicPr>
+            <a:picLocks noChangeAspect="1"/>
+          </p:cNvPicPr>
+          <p:nvPr/>
+        </p:nvPicPr>
+        <p:blipFill>
+          <a:blip r:embed="rId4"/>
+          <a:stretch>
+            <a:fillRect/>
+          </a:stretch>
+        </p:blipFill>
+        <p:spPr>
+          <a:xfrm>
+            <a:off x="6096000" y="1159388"/>
+            <a:ext cx="2759790" cy="3469945"/>
+          </a:xfrm>
+          <a:prstGeom prst="rect">
+            <a:avLst/>
+          </a:prstGeom>
+        </p:spPr>
+      </p:pic>
+      <p:pic>
+        <p:nvPicPr>
+          <p:cNvPr id="15" name="Grafik 14">
+            <a:extLst>
+              <a:ext uri="{FF2B5EF4-FFF2-40B4-BE49-F238E27FC236}">
+                <a16:creationId xmlns:a16="http://schemas.microsoft.com/office/drawing/2014/main" id="{980A97F8-154D-7988-9264-5DB38582AAB0}"/>
+              </a:ext>
+            </a:extLst>
+          </p:cNvPr>
+          <p:cNvPicPr>
+            <a:picLocks noChangeAspect="1"/>
+          </p:cNvPicPr>
+          <p:nvPr/>
+        </p:nvPicPr>
+        <p:blipFill>
+          <a:blip r:embed="rId5"/>
+          <a:stretch>
+            <a:fillRect/>
+          </a:stretch>
+        </p:blipFill>
+        <p:spPr>
+          <a:xfrm>
+            <a:off x="8861491" y="1159389"/>
+            <a:ext cx="2916849" cy="3469944"/>
+          </a:xfrm>
+          <a:prstGeom prst="rect">
+            <a:avLst/>
+          </a:prstGeom>
+        </p:spPr>
+      </p:pic>
+      <p:sp>
+        <p:nvSpPr>
+          <p:cNvPr id="16" name="Textfeld 15">
+            <a:extLst>
+              <a:ext uri="{FF2B5EF4-FFF2-40B4-BE49-F238E27FC236}">
+                <a16:creationId xmlns:a16="http://schemas.microsoft.com/office/drawing/2014/main" id="{B79298AC-4E80-9ADF-BC11-5EF0BAD22014}"/>
+              </a:ext>
+            </a:extLst>
+          </p:cNvPr>
+          <p:cNvSpPr txBox="1"/>
+          <p:nvPr/>
+        </p:nvSpPr>
+        <p:spPr>
+          <a:xfrm>
+            <a:off x="6096000" y="4677166"/>
+            <a:ext cx="5682340" cy="307777"/>
+          </a:xfrm>
+          <a:prstGeom prst="rect">
+            <a:avLst/>
+          </a:prstGeom>
+          <a:noFill/>
+        </p:spPr>
+        <p:txBody>
+          <a:bodyPr wrap="square" rtlCol="0">
+            <a:spAutoFit/>
+          </a:bodyPr>
+          <a:lstStyle/>
+          <a:p>
+            <a:r>
+              <a:rPr lang="de-DE" sz="1400" dirty="0">
+                <a:latin typeface="Open Sans" pitchFamily="2" charset="0"/>
+                <a:ea typeface="Open Sans" pitchFamily="2" charset="0"/>
+                <a:cs typeface="Open Sans" pitchFamily="2" charset="0"/>
+              </a:rPr>
+              <a:t>Abb. 3: Darstellung Fenster (links </a:t>
+            </a:r>
+            <a:r>
+              <a:rPr lang="de-DE" sz="1400" dirty="0" err="1">
+                <a:latin typeface="Open Sans" pitchFamily="2" charset="0"/>
+                <a:ea typeface="Open Sans" pitchFamily="2" charset="0"/>
+                <a:cs typeface="Open Sans" pitchFamily="2" charset="0"/>
+              </a:rPr>
+              <a:t>Revit</a:t>
+            </a:r>
+            <a:r>
+              <a:rPr lang="de-DE" sz="1400" dirty="0">
+                <a:latin typeface="Open Sans" pitchFamily="2" charset="0"/>
+                <a:ea typeface="Open Sans" pitchFamily="2" charset="0"/>
+                <a:cs typeface="Open Sans" pitchFamily="2" charset="0"/>
+              </a:rPr>
+              <a:t>, rechts AutoCAD)</a:t>
             </a:r>
           </a:p>
         </p:txBody>
@@ -5317,7 +5696,15 @@
           <a:p>
             <a:r>
               <a:rPr lang="de-DE" dirty="0"/>
-              <a:t>Bearbeitung des Modells in Allplan</a:t>
+              <a:t>Bearbeitung des Modells in </a:t>
+            </a:r>
+            <a:r>
+              <a:rPr lang="de-DE" dirty="0" err="1"/>
+              <a:t>Revit</a:t>
+            </a:r>
+            <a:r>
+              <a:rPr lang="de-DE" dirty="0"/>
+              <a:t> und AutoCAD </a:t>
             </a:r>
           </a:p>
           <a:p>
@@ -5345,6 +5732,27 @@
             <a:r>
               <a:rPr lang="de-DE" dirty="0"/>
               <a:t>Fehler beheben</a:t>
+            </a:r>
+          </a:p>
+          <a:p>
+            <a:pPr lvl="1"/>
+            <a:r>
+              <a:rPr lang="de-DE" dirty="0"/>
+              <a:t>Skalierung </a:t>
+            </a:r>
+          </a:p>
+          <a:p>
+            <a:pPr lvl="1"/>
+            <a:r>
+              <a:rPr lang="de-DE" dirty="0"/>
+              <a:t>Schnitte erstellen</a:t>
+            </a:r>
+          </a:p>
+          <a:p>
+            <a:pPr lvl="1"/>
+            <a:r>
+              <a:rPr lang="de-DE" dirty="0"/>
+              <a:t>Schrumpffolie </a:t>
             </a:r>
           </a:p>
           <a:p>

--- a/zwischenvortrag.pptx
+++ b/zwischenvortrag.pptx
@@ -217,7 +217,7 @@
           <a:p>
             <a:fld id="{827C43CF-120A-484B-B881-0ADA2055594B}" type="datetimeFigureOut">
               <a:rPr lang="de-DE" smtClean="0"/>
-              <a:t>14.05.2023</a:t>
+              <a:t>16.05.2023</a:t>
             </a:fld>
             <a:endParaRPr lang="de-DE"/>
           </a:p>
@@ -4735,15 +4735,7 @@
           <a:p>
             <a:r>
               <a:rPr lang="de-DE" dirty="0"/>
-              <a:t>Software: </a:t>
-            </a:r>
-            <a:r>
-              <a:rPr lang="de-DE" dirty="0" err="1"/>
-              <a:t>Revit</a:t>
-            </a:r>
-            <a:r>
-              <a:rPr lang="de-DE" dirty="0"/>
-              <a:t>, AutoCAD, </a:t>
+              <a:t>Software: Revit, AutoCAD, </a:t>
             </a:r>
             <a:r>
               <a:rPr lang="de-DE" dirty="0" err="1"/>
@@ -4877,21 +4869,8 @@
                   <a:ea typeface="Open Sans" pitchFamily="2" charset="0"/>
                   <a:cs typeface="Open Sans" pitchFamily="2" charset="0"/>
                 </a:rPr>
-                <a:t>Abb. 1: ursprüngliches Modell in </a:t>
+                <a:t>Abb. 1: ursprüngliches Modell in Revit</a:t>
               </a:r>
-              <a:r>
-                <a:rPr lang="de-DE" sz="1400" dirty="0" err="1">
-                  <a:latin typeface="Open Sans" pitchFamily="2" charset="0"/>
-                  <a:ea typeface="Open Sans" pitchFamily="2" charset="0"/>
-                  <a:cs typeface="Open Sans" pitchFamily="2" charset="0"/>
-                </a:rPr>
-                <a:t>Revit</a:t>
-              </a:r>
-              <a:endParaRPr lang="de-DE" sz="1400" dirty="0">
-                <a:latin typeface="Open Sans" pitchFamily="2" charset="0"/>
-                <a:ea typeface="Open Sans" pitchFamily="2" charset="0"/>
-                <a:cs typeface="Open Sans" pitchFamily="2" charset="0"/>
-              </a:endParaRPr>
             </a:p>
           </p:txBody>
         </p:sp>
@@ -5111,13 +5090,8 @@
           <a:p>
             <a:r>
               <a:rPr lang="de-DE" dirty="0"/>
-              <a:t>Daten erhalten für Software </a:t>
-            </a:r>
-            <a:r>
-              <a:rPr lang="de-DE" dirty="0" err="1"/>
-              <a:t>Revit</a:t>
-            </a:r>
-            <a:endParaRPr lang="de-DE" dirty="0"/>
+              <a:t>Daten erhalten für Software Revit</a:t>
+            </a:r>
           </a:p>
           <a:p>
             <a:pPr lvl="1"/>
@@ -5213,17 +5187,8 @@
               <a:rPr lang="de-DE" dirty="0">
                 <a:sym typeface="Wingdings" panose="05000000000000000000" pitchFamily="2" charset="2"/>
               </a:rPr>
-              <a:t> Export von </a:t>
-            </a:r>
-            <a:r>
-              <a:rPr lang="de-DE" dirty="0" err="1">
-                <a:sym typeface="Wingdings" panose="05000000000000000000" pitchFamily="2" charset="2"/>
-              </a:rPr>
-              <a:t>Revit</a:t>
-            </a:r>
-            <a:endParaRPr lang="de-DE" dirty="0">
-              <a:sym typeface="Wingdings" panose="05000000000000000000" pitchFamily="2" charset="2"/>
-            </a:endParaRPr>
+              <a:t> Export von Revit</a:t>
+            </a:r>
           </a:p>
           <a:p>
             <a:r>
@@ -5253,16 +5218,10 @@
           </a:p>
           <a:p>
             <a:r>
-              <a:rPr lang="de-DE" dirty="0" err="1">
-                <a:sym typeface="Wingdings" panose="05000000000000000000" pitchFamily="2" charset="2"/>
-              </a:rPr>
-              <a:t>Revit</a:t>
-            </a:r>
-            <a:r>
               <a:rPr lang="de-DE" dirty="0">
                 <a:sym typeface="Wingdings" panose="05000000000000000000" pitchFamily="2" charset="2"/>
               </a:rPr>
-              <a:t> Dateien mit </a:t>
+              <a:t>Revit Dateien mit </a:t>
             </a:r>
             <a:r>
               <a:rPr lang="de-DE" dirty="0" err="1">
@@ -5376,41 +5335,6 @@
             <a:r>
               <a:rPr lang="de-DE" dirty="0"/>
               <a:t>3. Aktueller Arbeitsstand</a:t>
-            </a:r>
-          </a:p>
-        </p:txBody>
-      </p:sp>
-      <p:sp>
-        <p:nvSpPr>
-          <p:cNvPr id="7" name="Textfeld 6">
-            <a:extLst>
-              <a:ext uri="{FF2B5EF4-FFF2-40B4-BE49-F238E27FC236}">
-                <a16:creationId xmlns:a16="http://schemas.microsoft.com/office/drawing/2014/main" id="{74C893EB-261C-4F83-9060-12A1D278216F}"/>
-              </a:ext>
-            </a:extLst>
-          </p:cNvPr>
-          <p:cNvSpPr txBox="1"/>
-          <p:nvPr/>
-        </p:nvSpPr>
-        <p:spPr>
-          <a:xfrm>
-            <a:off x="2176075" y="5732777"/>
-            <a:ext cx="5099796" cy="369332"/>
-          </a:xfrm>
-          <a:prstGeom prst="rect">
-            <a:avLst/>
-          </a:prstGeom>
-          <a:noFill/>
-        </p:spPr>
-        <p:txBody>
-          <a:bodyPr wrap="square" rtlCol="0">
-            <a:spAutoFit/>
-          </a:bodyPr>
-          <a:lstStyle/>
-          <a:p>
-            <a:r>
-              <a:rPr lang="de-DE" dirty="0"/>
-              <a:t>Abb. 2 Benutzeroberfläche in Allplan</a:t>
             </a:r>
           </a:p>
         </p:txBody>
@@ -5622,23 +5546,7 @@
                 <a:ea typeface="Open Sans" pitchFamily="2" charset="0"/>
                 <a:cs typeface="Open Sans" pitchFamily="2" charset="0"/>
               </a:rPr>
-              <a:t>Abb. 3: Darstellung Fenster (links </a:t>
-            </a:r>
-            <a:r>
-              <a:rPr lang="de-DE" sz="1400" dirty="0" err="1">
-                <a:latin typeface="Open Sans" pitchFamily="2" charset="0"/>
-                <a:ea typeface="Open Sans" pitchFamily="2" charset="0"/>
-                <a:cs typeface="Open Sans" pitchFamily="2" charset="0"/>
-              </a:rPr>
-              <a:t>Revit</a:t>
-            </a:r>
-            <a:r>
-              <a:rPr lang="de-DE" sz="1400" dirty="0">
-                <a:latin typeface="Open Sans" pitchFamily="2" charset="0"/>
-                <a:ea typeface="Open Sans" pitchFamily="2" charset="0"/>
-                <a:cs typeface="Open Sans" pitchFamily="2" charset="0"/>
-              </a:rPr>
-              <a:t>, rechts AutoCAD)</a:t>
+              <a:t>Abb. 3: Darstellung Fenster (links Revit, rechts AutoCAD)</a:t>
             </a:r>
           </a:p>
         </p:txBody>
@@ -5696,15 +5604,7 @@
           <a:p>
             <a:r>
               <a:rPr lang="de-DE" dirty="0"/>
-              <a:t>Bearbeitung des Modells in </a:t>
-            </a:r>
-            <a:r>
-              <a:rPr lang="de-DE" dirty="0" err="1"/>
-              <a:t>Revit</a:t>
-            </a:r>
-            <a:r>
-              <a:rPr lang="de-DE" dirty="0"/>
-              <a:t> und AutoCAD </a:t>
+              <a:t>Bearbeitung des Modells in Revit und AutoCAD </a:t>
             </a:r>
           </a:p>
           <a:p>

--- a/zwischenvortrag.pptx
+++ b/zwischenvortrag.pptx
@@ -217,7 +217,7 @@
           <a:p>
             <a:fld id="{827C43CF-120A-484B-B881-0ADA2055594B}" type="datetimeFigureOut">
               <a:rPr lang="de-DE" smtClean="0"/>
-              <a:t>16.05.2023</a:t>
+              <a:t>17.05.2023</a:t>
             </a:fld>
             <a:endParaRPr lang="de-DE"/>
           </a:p>
@@ -5628,35 +5628,50 @@
             </a:r>
           </a:p>
           <a:p>
-            <a:pPr lvl="1"/>
+            <a:pPr marL="800100" lvl="1" indent="-342900">
+              <a:buFont typeface="+mj-lt"/>
+              <a:buAutoNum type="arabicPeriod"/>
+            </a:pPr>
             <a:r>
               <a:rPr lang="de-DE" dirty="0"/>
               <a:t>Fehler beheben</a:t>
             </a:r>
           </a:p>
           <a:p>
-            <a:pPr lvl="1"/>
+            <a:pPr marL="800100" lvl="1" indent="-342900">
+              <a:buFont typeface="+mj-lt"/>
+              <a:buAutoNum type="arabicPeriod"/>
+            </a:pPr>
             <a:r>
               <a:rPr lang="de-DE" dirty="0"/>
               <a:t>Skalierung </a:t>
             </a:r>
           </a:p>
           <a:p>
-            <a:pPr lvl="1"/>
+            <a:pPr marL="800100" lvl="1" indent="-342900">
+              <a:buFont typeface="+mj-lt"/>
+              <a:buAutoNum type="arabicPeriod"/>
+            </a:pPr>
             <a:r>
               <a:rPr lang="de-DE" dirty="0"/>
               <a:t>Schnitte erstellen</a:t>
             </a:r>
           </a:p>
           <a:p>
-            <a:pPr lvl="1"/>
+            <a:pPr marL="800100" lvl="1" indent="-342900">
+              <a:buFont typeface="+mj-lt"/>
+              <a:buAutoNum type="arabicPeriod"/>
+            </a:pPr>
             <a:r>
               <a:rPr lang="de-DE" dirty="0"/>
               <a:t>Schrumpffolie </a:t>
             </a:r>
           </a:p>
           <a:p>
-            <a:pPr lvl="1"/>
+            <a:pPr marL="800100" lvl="1" indent="-342900">
+              <a:buFont typeface="+mj-lt"/>
+              <a:buAutoNum type="arabicPeriod"/>
+            </a:pPr>
             <a:r>
               <a:rPr lang="de-DE" dirty="0"/>
               <a:t>Modell im Bauraum anordnen</a:t>
